--- a/report/20170508/Li-20170508_.pptx
+++ b/report/20170508/Li-20170508_.pptx
@@ -226,7 +226,7 @@
           <a:p>
             <a:fld id="{A7047017-3F4D-4800-9B33-5B2A9DB7873C}" type="datetimeFigureOut">
               <a:rPr kumimoji="1" lang="ja-JP" altLang="en-US" smtClean="0"/>
-              <a:t>2017/5/7</a:t>
+              <a:t>2017/5/8</a:t>
             </a:fld>
             <a:endParaRPr kumimoji="1" lang="ja-JP" altLang="en-US"/>
           </a:p>
@@ -391,7 +391,7 @@
           <a:p>
             <a:fld id="{4EE61553-47AE-49F4-A30A-FEA3F4C5BB3B}" type="datetimeFigureOut">
               <a:rPr kumimoji="1" lang="ja-JP" altLang="en-US" smtClean="0"/>
-              <a:t>2017/5/7</a:t>
+              <a:t>2017/5/8</a:t>
             </a:fld>
             <a:endParaRPr kumimoji="1" lang="ja-JP" altLang="en-US"/>
           </a:p>
@@ -990,7 +990,7 @@
           <a:p>
             <a:fld id="{A8E4C931-648D-4F19-A7E9-4215BE8EB453}" type="datetime1">
               <a:rPr kumimoji="1" lang="ja-JP" altLang="en-US" smtClean="0"/>
-              <a:t>2017/5/7</a:t>
+              <a:t>2017/5/8</a:t>
             </a:fld>
             <a:endParaRPr kumimoji="1" lang="ja-JP" altLang="en-US"/>
           </a:p>
@@ -1192,7 +1192,7 @@
           <a:p>
             <a:fld id="{66996EC0-4E43-4FF5-933C-8728087BB85F}" type="datetime1">
               <a:rPr kumimoji="1" lang="ja-JP" altLang="en-US" smtClean="0"/>
-              <a:t>2017/5/7</a:t>
+              <a:t>2017/5/8</a:t>
             </a:fld>
             <a:endParaRPr kumimoji="1" lang="ja-JP" altLang="en-US"/>
           </a:p>
@@ -1404,7 +1404,7 @@
           <a:p>
             <a:fld id="{C2F28B55-76C5-4689-9D3B-072D0666FEF8}" type="datetime1">
               <a:rPr kumimoji="1" lang="ja-JP" altLang="en-US" smtClean="0"/>
-              <a:t>2017/5/7</a:t>
+              <a:t>2017/5/8</a:t>
             </a:fld>
             <a:endParaRPr kumimoji="1" lang="ja-JP" altLang="en-US"/>
           </a:p>
@@ -1606,7 +1606,7 @@
           <a:p>
             <a:fld id="{590AF857-1170-4F41-B12E-ABF113777648}" type="datetime1">
               <a:rPr kumimoji="1" lang="ja-JP" altLang="en-US" smtClean="0"/>
-              <a:t>2017/5/7</a:t>
+              <a:t>2017/5/8</a:t>
             </a:fld>
             <a:endParaRPr kumimoji="1" lang="ja-JP" altLang="en-US"/>
           </a:p>
@@ -1850,7 +1850,7 @@
           <a:p>
             <a:fld id="{00B44318-77C3-4220-BCFC-4622BF0AADB9}" type="datetime1">
               <a:rPr kumimoji="1" lang="ja-JP" altLang="en-US" smtClean="0"/>
-              <a:t>2017/5/7</a:t>
+              <a:t>2017/5/8</a:t>
             </a:fld>
             <a:endParaRPr kumimoji="1" lang="ja-JP" altLang="en-US"/>
           </a:p>
@@ -2146,7 +2146,7 @@
           <a:p>
             <a:fld id="{6E811334-7932-403E-9818-0031037B27BC}" type="datetime1">
               <a:rPr kumimoji="1" lang="ja-JP" altLang="en-US" smtClean="0"/>
-              <a:t>2017/5/7</a:t>
+              <a:t>2017/5/8</a:t>
             </a:fld>
             <a:endParaRPr kumimoji="1" lang="ja-JP" altLang="en-US"/>
           </a:p>
@@ -2577,7 +2577,7 @@
           <a:p>
             <a:fld id="{8F846AA7-D6AC-483B-B59F-B92B33580718}" type="datetime1">
               <a:rPr kumimoji="1" lang="ja-JP" altLang="en-US" smtClean="0"/>
-              <a:t>2017/5/7</a:t>
+              <a:t>2017/5/8</a:t>
             </a:fld>
             <a:endParaRPr kumimoji="1" lang="ja-JP" altLang="en-US"/>
           </a:p>
@@ -2695,7 +2695,7 @@
           <a:p>
             <a:fld id="{4C92AB63-8332-4105-A8E8-92D9FFE45080}" type="datetime1">
               <a:rPr kumimoji="1" lang="ja-JP" altLang="en-US" smtClean="0"/>
-              <a:t>2017/5/7</a:t>
+              <a:t>2017/5/8</a:t>
             </a:fld>
             <a:endParaRPr kumimoji="1" lang="ja-JP" altLang="en-US"/>
           </a:p>
@@ -2790,7 +2790,7 @@
           <a:p>
             <a:fld id="{C497F610-1513-4196-8905-051CB72780E2}" type="datetime1">
               <a:rPr kumimoji="1" lang="ja-JP" altLang="en-US" smtClean="0"/>
-              <a:t>2017/5/7</a:t>
+              <a:t>2017/5/8</a:t>
             </a:fld>
             <a:endParaRPr kumimoji="1" lang="ja-JP" altLang="en-US"/>
           </a:p>
@@ -3099,7 +3099,7 @@
           <a:p>
             <a:fld id="{784F99A3-628B-475C-AC88-0DCEBFCBE43E}" type="datetime1">
               <a:rPr kumimoji="1" lang="ja-JP" altLang="en-US" smtClean="0"/>
-              <a:t>2017/5/7</a:t>
+              <a:t>2017/5/8</a:t>
             </a:fld>
             <a:endParaRPr kumimoji="1" lang="ja-JP" altLang="en-US"/>
           </a:p>
@@ -3356,7 +3356,7 @@
           <a:p>
             <a:fld id="{993E26B5-C4B8-4F0A-BA8D-9718B829FC64}" type="datetime1">
               <a:rPr kumimoji="1" lang="ja-JP" altLang="en-US" smtClean="0"/>
-              <a:t>2017/5/7</a:t>
+              <a:t>2017/5/8</a:t>
             </a:fld>
             <a:endParaRPr kumimoji="1" lang="ja-JP" altLang="en-US"/>
           </a:p>
@@ -3601,7 +3601,7 @@
           <a:p>
             <a:fld id="{3AC474DA-14F1-4050-95A4-F0689030D4A9}" type="datetime1">
               <a:rPr kumimoji="1" lang="ja-JP" altLang="en-US" smtClean="0"/>
-              <a:t>2017/5/7</a:t>
+              <a:t>2017/5/8</a:t>
             </a:fld>
             <a:endParaRPr kumimoji="1" lang="ja-JP" altLang="en-US"/>
           </a:p>
@@ -4201,44 +4201,13 @@
             </a:pPr>
             <a:r>
               <a:rPr lang="ja-JP" altLang="en-US" sz="2000" dirty="0"/>
-              <a:t>スマートフォンで</a:t>
+              <a:t>実験時間</a:t>
             </a:r>
             <a:r>
               <a:rPr lang="ja-JP" altLang="en-US" sz="2000" dirty="0" smtClean="0"/>
-              <a:t>録画</a:t>
+              <a:t>比較</a:t>
             </a:r>
             <a:endParaRPr lang="en-US" altLang="ja-JP" sz="2000" dirty="0" smtClean="0"/>
-          </a:p>
-          <a:p>
-            <a:pPr lvl="1">
-              <a:lnSpc>
-                <a:spcPct val="100000"/>
-              </a:lnSpc>
-            </a:pPr>
-            <a:r>
-              <a:rPr lang="ja-JP" altLang="en-US" sz="1600" dirty="0"/>
-              <a:t>動画の例</a:t>
-            </a:r>
-          </a:p>
-          <a:p>
-            <a:pPr lvl="1">
-              <a:lnSpc>
-                <a:spcPct val="100000"/>
-              </a:lnSpc>
-            </a:pPr>
-            <a:r>
-              <a:rPr lang="ja-JP" altLang="en-US" sz="2000" dirty="0" smtClean="0"/>
-              <a:t>対応</a:t>
-            </a:r>
-            <a:r>
-              <a:rPr lang="ja-JP" altLang="en-US" sz="2000" dirty="0"/>
-              <a:t>の</a:t>
-            </a:r>
-            <a:r>
-              <a:rPr lang="ja-JP" altLang="en-US" sz="2000" dirty="0" smtClean="0"/>
-              <a:t>生成</a:t>
-            </a:r>
-            <a:endParaRPr lang="en-US" altLang="zh-CN" sz="2000" dirty="0" smtClean="0"/>
           </a:p>
           <a:p>
             <a:pPr>
@@ -4248,31 +4217,37 @@
             </a:pPr>
             <a:r>
               <a:rPr lang="ja-JP" altLang="en-US" sz="2000" dirty="0" smtClean="0"/>
-              <a:t>実験</a:t>
+              <a:t>デコード</a:t>
             </a:r>
             <a:endParaRPr lang="en-US" altLang="ja-JP" sz="2000" dirty="0" smtClean="0"/>
           </a:p>
           <a:p>
-            <a:pPr lvl="1">
+            <a:pPr>
               <a:lnSpc>
                 <a:spcPct val="100000"/>
               </a:lnSpc>
             </a:pPr>
             <a:r>
               <a:rPr lang="ja-JP" altLang="en-US" sz="2000" dirty="0"/>
-              <a:t>撮影された画像の例</a:t>
-            </a:r>
-          </a:p>
-          <a:p>
-            <a:pPr lvl="1">
+              <a:t>カメラ視点を</a:t>
+            </a:r>
+            <a:r>
+              <a:rPr lang="ja-JP" altLang="en-US" sz="2000" dirty="0" smtClean="0"/>
+              <a:t>減らす</a:t>
+            </a:r>
+            <a:endParaRPr lang="en-US" altLang="ja-JP" sz="2000" dirty="0" smtClean="0"/>
+          </a:p>
+          <a:p>
+            <a:pPr>
               <a:lnSpc>
                 <a:spcPct val="100000"/>
               </a:lnSpc>
             </a:pPr>
             <a:r>
               <a:rPr lang="ja-JP" altLang="en-US" sz="2000" dirty="0"/>
-              <a:t>結果</a:t>
-            </a:r>
+              <a:t>今後の課題</a:t>
+            </a:r>
+            <a:endParaRPr lang="en-US" altLang="ja-JP" sz="2000" dirty="0" smtClean="0"/>
           </a:p>
         </p:txBody>
       </p:sp>
@@ -4381,7 +4356,11 @@
           <a:p>
             <a:r>
               <a:rPr lang="ja-JP" altLang="en-US" dirty="0" smtClean="0"/>
-              <a:t>キャプチャ</a:t>
+              <a:t>全周形状</a:t>
+            </a:r>
+            <a:r>
+              <a:rPr lang="ja-JP" altLang="en-US" dirty="0"/>
+              <a:t>獲得</a:t>
             </a:r>
             <a:endParaRPr lang="en-US" altLang="ja-JP" dirty="0" smtClean="0"/>
           </a:p>
@@ -4391,16 +4370,8 @@
               <a:buAutoNum type="circleNumDbPlain"/>
             </a:pPr>
             <a:r>
-              <a:rPr lang="ja-JP" altLang="en-US" sz="1800" dirty="0"/>
-              <a:t>ひとつのカメラを</a:t>
-            </a:r>
-            <a:r>
               <a:rPr lang="ja-JP" altLang="en-US" sz="1800" dirty="0" smtClean="0"/>
-              <a:t>使い，オブジェクト</a:t>
-            </a:r>
-            <a:r>
-              <a:rPr lang="ja-JP" altLang="en-US" sz="1800" dirty="0"/>
-              <a:t>を巡って撮影する。</a:t>
+              <a:t>ひとつのカメラを使い，オブジェクトを巡って撮影する。</a:t>
             </a:r>
             <a:endParaRPr lang="en-US" altLang="ja-JP" sz="1800" dirty="0" smtClean="0"/>
           </a:p>
@@ -6619,14 +6590,14 @@
           <p:nvPr>
             <p:extLst>
               <p:ext uri="{D42A27DB-BD31-4B8C-83A1-F6EECF244321}">
-                <p14:modId xmlns:p14="http://schemas.microsoft.com/office/powerpoint/2010/main" val="2647909704"/>
+                <p14:modId xmlns:p14="http://schemas.microsoft.com/office/powerpoint/2010/main" val="1854796291"/>
               </p:ext>
             </p:extLst>
           </p:nvPr>
         </p:nvGraphicFramePr>
         <p:xfrm>
           <a:off x="628650" y="3004659"/>
-          <a:ext cx="7051379" cy="1691640"/>
+          <a:ext cx="7051379" cy="2387600"/>
         </p:xfrm>
         <a:graphic>
           <a:graphicData uri="http://schemas.openxmlformats.org/drawingml/2006/table">
@@ -7099,7 +7070,7 @@
                       <a:pPr algn="ctr"/>
                       <a:r>
                         <a:rPr kumimoji="1" lang="ja-JP" altLang="en-US" sz="1600" dirty="0" smtClean="0"/>
-                        <a:t>プログラムの最適化</a:t>
+                        <a:t>（ファイルの読み込み方法、データ構造の設計など）プログラムの最適化</a:t>
                       </a:r>
                       <a:endParaRPr kumimoji="1" lang="ja-JP" altLang="en-US" sz="1600" dirty="0"/>
                     </a:p>
@@ -7381,15 +7352,59 @@
             <p:ph idx="1"/>
           </p:nvPr>
         </p:nvSpPr>
-        <p:spPr/>
+        <p:spPr>
+          <a:xfrm>
+            <a:off x="628650" y="1825624"/>
+            <a:ext cx="7886700" cy="5032375"/>
+          </a:xfrm>
+        </p:spPr>
         <p:txBody>
           <a:bodyPr/>
           <a:lstStyle/>
           <a:p>
             <a:r>
               <a:rPr lang="ja-JP" altLang="en-US" dirty="0"/>
-              <a:t>並列計算</a:t>
-            </a:r>
+              <a:t>並列</a:t>
+            </a:r>
+            <a:r>
+              <a:rPr lang="ja-JP" altLang="en-US" dirty="0" smtClean="0"/>
+              <a:t>計算</a:t>
+            </a:r>
+            <a:endParaRPr lang="en-US" altLang="ja-JP" dirty="0" smtClean="0"/>
+          </a:p>
+          <a:p>
+            <a:endParaRPr lang="en-US" altLang="ja-JP" dirty="0"/>
+          </a:p>
+          <a:p>
+            <a:endParaRPr lang="en-US" altLang="ja-JP" dirty="0" smtClean="0"/>
+          </a:p>
+          <a:p>
+            <a:endParaRPr lang="en-US" altLang="ja-JP" dirty="0"/>
+          </a:p>
+          <a:p>
+            <a:endParaRPr lang="en-US" altLang="ja-JP" dirty="0" smtClean="0"/>
+          </a:p>
+          <a:p>
+            <a:endParaRPr lang="en-US" altLang="ja-JP" dirty="0"/>
+          </a:p>
+          <a:p>
+            <a:endParaRPr lang="en-US" altLang="ja-JP" dirty="0" smtClean="0"/>
+          </a:p>
+          <a:p>
+            <a:endParaRPr lang="en-US" altLang="ja-JP" dirty="0"/>
+          </a:p>
+          <a:p>
+            <a:endParaRPr lang="en-US" altLang="ja-JP" sz="1800" dirty="0" smtClean="0"/>
+          </a:p>
+          <a:p>
+            <a:r>
+              <a:rPr lang="ja-JP" altLang="en-US" sz="1800" dirty="0" smtClean="0"/>
+              <a:t>デコードの計算が複数のスレッドに与えられ，一緒に実行される。</a:t>
+            </a:r>
+            <a:endParaRPr lang="ja-JP" altLang="en-US" sz="1800" dirty="0"/>
+          </a:p>
+          <a:p>
+            <a:endParaRPr lang="ja-JP" altLang="en-US" sz="1800" dirty="0"/>
           </a:p>
           <a:p>
             <a:endParaRPr lang="ja-JP" altLang="en-US" dirty="0"/>
@@ -7415,7 +7430,7 @@
               <a:rPr kumimoji="1" lang="ja-JP" altLang="en-US" smtClean="0"/>
               <a:t>5</a:t>
             </a:fld>
-            <a:endParaRPr kumimoji="1" lang="ja-JP" altLang="en-US"/>
+            <a:endParaRPr kumimoji="1" lang="ja-JP" altLang="en-US" dirty="0"/>
           </a:p>
         </p:txBody>
       </p:sp>
@@ -9387,45 +9402,7 @@
         </p:nvSpPr>
         <p:spPr>
           <a:xfrm>
-            <a:off x="3311492" y="3003395"/>
-            <a:ext cx="284084" cy="369332"/>
-          </a:xfrm>
-          <a:prstGeom prst="rect">
-            <a:avLst/>
-          </a:prstGeom>
-          <a:noFill/>
-        </p:spPr>
-        <p:txBody>
-          <a:bodyPr wrap="square" rtlCol="0">
-            <a:spAutoFit/>
-          </a:bodyPr>
-          <a:lstStyle/>
-          <a:p>
-            <a:r>
-              <a:rPr kumimoji="1" lang="en-US" altLang="ja-JP" dirty="0" smtClean="0">
-                <a:solidFill>
-                  <a:srgbClr val="FFFF00"/>
-                </a:solidFill>
-              </a:rPr>
-              <a:t>1</a:t>
-            </a:r>
-            <a:endParaRPr kumimoji="1" lang="ja-JP" altLang="en-US" dirty="0">
-              <a:solidFill>
-                <a:srgbClr val="FFFF00"/>
-              </a:solidFill>
-            </a:endParaRPr>
-          </a:p>
-        </p:txBody>
-      </p:sp>
-      <p:sp>
-        <p:nvSpPr>
-          <p:cNvPr id="63" name="テキスト ボックス 62"/>
-          <p:cNvSpPr txBox="1"/>
-          <p:nvPr/>
-        </p:nvSpPr>
-        <p:spPr>
-          <a:xfrm>
-            <a:off x="4069178" y="3867217"/>
+            <a:off x="3164605" y="3026287"/>
             <a:ext cx="284084" cy="369332"/>
           </a:xfrm>
           <a:prstGeom prst="rect">
@@ -10961,6 +10938,108 @@
               <a:t>CPU</a:t>
             </a:r>
             <a:endParaRPr kumimoji="1" lang="ja-JP" altLang="en-US" dirty="0"/>
+          </a:p>
+        </p:txBody>
+      </p:sp>
+      <p:sp>
+        <p:nvSpPr>
+          <p:cNvPr id="110" name="テキスト ボックス 109"/>
+          <p:cNvSpPr txBox="1"/>
+          <p:nvPr/>
+        </p:nvSpPr>
+        <p:spPr>
+          <a:xfrm>
+            <a:off x="1578358" y="2835388"/>
+            <a:ext cx="960969" cy="261610"/>
+          </a:xfrm>
+          <a:prstGeom prst="rect">
+            <a:avLst/>
+          </a:prstGeom>
+          <a:noFill/>
+        </p:spPr>
+        <p:txBody>
+          <a:bodyPr wrap="square" rtlCol="0">
+            <a:spAutoFit/>
+          </a:bodyPr>
+          <a:lstStyle/>
+          <a:p>
+            <a:r>
+              <a:rPr lang="ja-JP" altLang="en-US" sz="1100" b="1" dirty="0" smtClean="0"/>
+              <a:t>カメラ </a:t>
+            </a:r>
+            <a:r>
+              <a:rPr lang="en-US" altLang="zh-CN" sz="1100" b="1" dirty="0" smtClean="0"/>
+              <a:t>1</a:t>
+            </a:r>
+            <a:endParaRPr kumimoji="1" lang="ja-JP" altLang="en-US" sz="1100" b="1" dirty="0"/>
+          </a:p>
+        </p:txBody>
+      </p:sp>
+      <p:sp>
+        <p:nvSpPr>
+          <p:cNvPr id="111" name="テキスト ボックス 110"/>
+          <p:cNvSpPr txBox="1"/>
+          <p:nvPr/>
+        </p:nvSpPr>
+        <p:spPr>
+          <a:xfrm>
+            <a:off x="3982699" y="2834437"/>
+            <a:ext cx="960969" cy="261610"/>
+          </a:xfrm>
+          <a:prstGeom prst="rect">
+            <a:avLst/>
+          </a:prstGeom>
+          <a:noFill/>
+        </p:spPr>
+        <p:txBody>
+          <a:bodyPr wrap="square" rtlCol="0">
+            <a:spAutoFit/>
+          </a:bodyPr>
+          <a:lstStyle/>
+          <a:p>
+            <a:r>
+              <a:rPr lang="ja-JP" altLang="en-US" sz="1100" b="1" dirty="0" smtClean="0"/>
+              <a:t>カメラ </a:t>
+            </a:r>
+            <a:r>
+              <a:rPr lang="en-US" altLang="ja-JP" sz="1100" b="1" dirty="0"/>
+              <a:t>2</a:t>
+            </a:r>
+            <a:endParaRPr kumimoji="1" lang="ja-JP" altLang="en-US" sz="1100" b="1" dirty="0"/>
+          </a:p>
+        </p:txBody>
+      </p:sp>
+      <p:sp>
+        <p:nvSpPr>
+          <p:cNvPr id="112" name="テキスト ボックス 111"/>
+          <p:cNvSpPr txBox="1"/>
+          <p:nvPr/>
+        </p:nvSpPr>
+        <p:spPr>
+          <a:xfrm>
+            <a:off x="7068703" y="2842808"/>
+            <a:ext cx="960969" cy="261610"/>
+          </a:xfrm>
+          <a:prstGeom prst="rect">
+            <a:avLst/>
+          </a:prstGeom>
+          <a:noFill/>
+        </p:spPr>
+        <p:txBody>
+          <a:bodyPr wrap="square" rtlCol="0">
+            <a:spAutoFit/>
+          </a:bodyPr>
+          <a:lstStyle/>
+          <a:p>
+            <a:r>
+              <a:rPr lang="ja-JP" altLang="en-US" sz="1100" b="1" dirty="0" smtClean="0"/>
+              <a:t>カメラ </a:t>
+            </a:r>
+            <a:r>
+              <a:rPr lang="en-US" altLang="zh-CN" sz="1100" b="1" dirty="0" smtClean="0"/>
+              <a:t>N</a:t>
+            </a:r>
+            <a:endParaRPr kumimoji="1" lang="ja-JP" altLang="en-US" sz="1100" b="1" dirty="0"/>
           </a:p>
         </p:txBody>
       </p:sp>
@@ -11087,6 +11166,11 @@
               <a:rPr lang="en-US" altLang="ja-JP" sz="1800" dirty="0" smtClean="0"/>
               <a:t>Intel Core i7-6800K 3.40GHz</a:t>
             </a:r>
+            <a:r>
+              <a:rPr lang="ja-JP" altLang="en-US" sz="1800" dirty="0" smtClean="0"/>
+              <a:t>　コア　６</a:t>
+            </a:r>
+            <a:endParaRPr lang="en-US" altLang="ja-JP" sz="1800" dirty="0" smtClean="0"/>
           </a:p>
           <a:p>
             <a:pPr lvl="2"/>
@@ -11115,8 +11199,21 @@
             </a:r>
             <a:r>
               <a:rPr lang="en-US" altLang="ja-JP" sz="1800" dirty="0" smtClean="0"/>
-              <a:t>3’11’’</a:t>
-            </a:r>
+              <a:t>3</a:t>
+            </a:r>
+            <a:r>
+              <a:rPr lang="ja-JP" altLang="en-US" sz="1800" dirty="0" smtClean="0"/>
+              <a:t>分</a:t>
+            </a:r>
+            <a:r>
+              <a:rPr lang="en-US" altLang="ja-JP" sz="1800" dirty="0" smtClean="0"/>
+              <a:t>11</a:t>
+            </a:r>
+            <a:r>
+              <a:rPr lang="ja-JP" altLang="en-US" sz="1800" dirty="0" smtClean="0"/>
+              <a:t>秒</a:t>
+            </a:r>
+            <a:endParaRPr lang="en-US" altLang="ja-JP" sz="1800" dirty="0" smtClean="0"/>
           </a:p>
           <a:p>
             <a:pPr lvl="2"/>
@@ -11505,15 +11602,7 @@
                   <a:prstClr val="black"/>
                 </a:solidFill>
               </a:rPr>
-              <a:t>プロジェクターは四つの方向（前、左、後ろ、右）からパターンを投影した</a:t>
-            </a:r>
-            <a:r>
-              <a:rPr lang="ja-JP" altLang="en-US" sz="1400" dirty="0" smtClean="0">
-                <a:solidFill>
-                  <a:prstClr val="black"/>
-                </a:solidFill>
-              </a:rPr>
-              <a:t>。</a:t>
+              <a:t>プロジェクターは四つの方向（前、左、後ろ、右）からパターンを投影した。</a:t>
             </a:r>
             <a:endParaRPr lang="en-US" altLang="ja-JP" sz="1400" dirty="0" smtClean="0">
               <a:solidFill>
@@ -13069,7 +13158,12 @@
             <p:ph idx="1"/>
           </p:nvPr>
         </p:nvSpPr>
-        <p:spPr/>
+        <p:spPr>
+          <a:xfrm>
+            <a:off x="628650" y="1825624"/>
+            <a:ext cx="7886700" cy="4790525"/>
+          </a:xfrm>
+        </p:spPr>
         <p:txBody>
           <a:bodyPr>
             <a:normAutofit/>
@@ -13162,11 +13256,27 @@
             </a:r>
             <a:r>
               <a:rPr lang="ja-JP" altLang="en-US" dirty="0" smtClean="0"/>
-              <a:t>記述した特徴量を比較し、</a:t>
+              <a:t>記述した特徴量を比較</a:t>
+            </a:r>
+            <a:r>
+              <a:rPr lang="ja-JP" altLang="en-US" dirty="0"/>
+              <a:t>し，</a:t>
+            </a:r>
+            <a:r>
+              <a:rPr lang="ja-JP" altLang="en-US" dirty="0" smtClean="0"/>
+              <a:t>二つ</a:t>
+            </a:r>
+            <a:r>
+              <a:rPr lang="ja-JP" altLang="en-US" dirty="0"/>
+              <a:t>プロジェクター位置対応する</a:t>
+            </a:r>
+            <a:r>
+              <a:rPr lang="en-US" altLang="zh-CN" dirty="0" smtClean="0"/>
+              <a:t>Code </a:t>
             </a:r>
             <a:r>
               <a:rPr lang="en-US" altLang="zh-CN" dirty="0"/>
-              <a:t>Code Map</a:t>
+              <a:t>Map</a:t>
             </a:r>
             <a:r>
               <a:rPr lang="ja-JP" altLang="en-US" dirty="0"/>
@@ -13189,7 +13299,7 @@
           <a:p>
             <a:pPr lvl="2"/>
             <a:r>
-              <a:rPr lang="en-US" altLang="ja-JP" dirty="0"/>
+              <a:rPr lang="en-US" altLang="ja-JP" dirty="0" smtClean="0"/>
               <a:t>I</a:t>
             </a:r>
             <a:r>
@@ -13198,7 +13308,7 @@
             </a:r>
             <a:r>
               <a:rPr kumimoji="1" lang="ja-JP" altLang="en-US" dirty="0" smtClean="0"/>
-              <a:t>手法で，三次元形状の対応点を探す。</a:t>
+              <a:t>など手法で，三次元形状の対応点を探す。</a:t>
             </a:r>
             <a:endParaRPr kumimoji="1" lang="en-US" altLang="ja-JP" dirty="0" smtClean="0"/>
           </a:p>
@@ -13226,9 +13336,13 @@
             </a:r>
             <a:r>
               <a:rPr lang="ja-JP" altLang="en-US" dirty="0" smtClean="0"/>
-              <a:t>を求める。</a:t>
-            </a:r>
-            <a:endParaRPr kumimoji="1" lang="ja-JP" altLang="en-US" dirty="0"/>
+              <a:t>を求める</a:t>
+            </a:r>
+            <a:r>
+              <a:rPr lang="ja-JP" altLang="en-US" dirty="0" smtClean="0"/>
+              <a:t>。</a:t>
+            </a:r>
+            <a:endParaRPr lang="en-US" altLang="ja-JP" dirty="0" smtClean="0"/>
           </a:p>
         </p:txBody>
       </p:sp>
@@ -13255,6 +13369,682 @@
           </a:p>
         </p:txBody>
       </p:sp>
+      <p:pic>
+        <p:nvPicPr>
+          <p:cNvPr id="5" name="図 4"/>
+          <p:cNvPicPr>
+            <a:picLocks noChangeAspect="1"/>
+          </p:cNvPicPr>
+          <p:nvPr/>
+        </p:nvPicPr>
+        <p:blipFill rotWithShape="1">
+          <a:blip r:embed="rId2" cstate="print">
+            <a:extLst>
+              <a:ext uri="{28A0092B-C50C-407E-A947-70E740481C1C}">
+                <a14:useLocalDpi xmlns:a14="http://schemas.microsoft.com/office/drawing/2010/main" val="0"/>
+              </a:ext>
+            </a:extLst>
+          </a:blip>
+          <a:srcRect l="13739" t="33865" r="15109" b="642"/>
+          <a:stretch/>
+        </p:blipFill>
+        <p:spPr>
+          <a:xfrm>
+            <a:off x="4458031" y="472702"/>
+            <a:ext cx="3999838" cy="2024608"/>
+          </a:xfrm>
+          <a:prstGeom prst="rect">
+            <a:avLst/>
+          </a:prstGeom>
+        </p:spPr>
+      </p:pic>
+      <p:sp>
+        <p:nvSpPr>
+          <p:cNvPr id="6" name="テキスト ボックス 5"/>
+          <p:cNvSpPr txBox="1"/>
+          <p:nvPr/>
+        </p:nvSpPr>
+        <p:spPr>
+          <a:xfrm>
+            <a:off x="6776336" y="2343276"/>
+            <a:ext cx="960969" cy="261610"/>
+          </a:xfrm>
+          <a:prstGeom prst="rect">
+            <a:avLst/>
+          </a:prstGeom>
+          <a:noFill/>
+        </p:spPr>
+        <p:txBody>
+          <a:bodyPr wrap="square" rtlCol="0">
+            <a:spAutoFit/>
+          </a:bodyPr>
+          <a:lstStyle/>
+          <a:p>
+            <a:r>
+              <a:rPr lang="ja-JP" altLang="en-US" sz="1100" dirty="0" smtClean="0"/>
+              <a:t>カメラ</a:t>
+            </a:r>
+            <a:r>
+              <a:rPr lang="en-US" altLang="zh-CN" sz="1100" dirty="0" smtClean="0"/>
+              <a:t>1</a:t>
+            </a:r>
+            <a:endParaRPr kumimoji="1" lang="ja-JP" altLang="en-US" sz="1100" dirty="0"/>
+          </a:p>
+        </p:txBody>
+      </p:sp>
+      <p:sp>
+        <p:nvSpPr>
+          <p:cNvPr id="7" name="テキスト ボックス 6"/>
+          <p:cNvSpPr txBox="1"/>
+          <p:nvPr/>
+        </p:nvSpPr>
+        <p:spPr>
+          <a:xfrm>
+            <a:off x="4976079" y="2081666"/>
+            <a:ext cx="960969" cy="261610"/>
+          </a:xfrm>
+          <a:prstGeom prst="rect">
+            <a:avLst/>
+          </a:prstGeom>
+          <a:noFill/>
+        </p:spPr>
+        <p:txBody>
+          <a:bodyPr wrap="square" rtlCol="0">
+            <a:spAutoFit/>
+          </a:bodyPr>
+          <a:lstStyle/>
+          <a:p>
+            <a:r>
+              <a:rPr lang="ja-JP" altLang="en-US" sz="1100" dirty="0" smtClean="0"/>
+              <a:t>カメラ</a:t>
+            </a:r>
+            <a:r>
+              <a:rPr lang="en-US" altLang="ja-JP" sz="1100" dirty="0" smtClean="0"/>
+              <a:t>N</a:t>
+            </a:r>
+            <a:endParaRPr kumimoji="1" lang="ja-JP" altLang="en-US" sz="1100" dirty="0"/>
+          </a:p>
+        </p:txBody>
+      </p:sp>
+      <p:cxnSp>
+        <p:nvCxnSpPr>
+          <p:cNvPr id="9" name="直線コネクタ 8"/>
+          <p:cNvCxnSpPr/>
+          <p:nvPr/>
+        </p:nvCxnSpPr>
+        <p:spPr>
+          <a:xfrm flipH="1" flipV="1">
+            <a:off x="6718855" y="1252497"/>
+            <a:ext cx="250563" cy="388535"/>
+          </a:xfrm>
+          <a:prstGeom prst="line">
+            <a:avLst/>
+          </a:prstGeom>
+          <a:ln w="19050">
+            <a:solidFill>
+              <a:srgbClr val="FF0000"/>
+            </a:solidFill>
+          </a:ln>
+        </p:spPr>
+        <p:style>
+          <a:lnRef idx="1">
+            <a:schemeClr val="accent1"/>
+          </a:lnRef>
+          <a:fillRef idx="0">
+            <a:schemeClr val="accent1"/>
+          </a:fillRef>
+          <a:effectRef idx="0">
+            <a:schemeClr val="accent1"/>
+          </a:effectRef>
+          <a:fontRef idx="minor">
+            <a:schemeClr val="tx1"/>
+          </a:fontRef>
+        </p:style>
+      </p:cxnSp>
+      <p:sp>
+        <p:nvSpPr>
+          <p:cNvPr id="10" name="テキスト ボックス 9"/>
+          <p:cNvSpPr txBox="1"/>
+          <p:nvPr/>
+        </p:nvSpPr>
+        <p:spPr>
+          <a:xfrm>
+            <a:off x="6591918" y="990887"/>
+            <a:ext cx="1053695" cy="261610"/>
+          </a:xfrm>
+          <a:prstGeom prst="rect">
+            <a:avLst/>
+          </a:prstGeom>
+          <a:noFill/>
+        </p:spPr>
+        <p:txBody>
+          <a:bodyPr wrap="square" rtlCol="0">
+            <a:spAutoFit/>
+          </a:bodyPr>
+          <a:lstStyle/>
+          <a:p>
+            <a:r>
+              <a:rPr kumimoji="1" lang="ja-JP" altLang="en-US" sz="1100" dirty="0" smtClean="0">
+                <a:solidFill>
+                  <a:srgbClr val="FF0000"/>
+                </a:solidFill>
+              </a:rPr>
+              <a:t>３</a:t>
+            </a:r>
+            <a:r>
+              <a:rPr kumimoji="1" lang="en-US" altLang="ja-JP" sz="1100" dirty="0" smtClean="0">
+                <a:solidFill>
+                  <a:srgbClr val="FF0000"/>
+                </a:solidFill>
+              </a:rPr>
+              <a:t>D</a:t>
+            </a:r>
+            <a:r>
+              <a:rPr lang="ja-JP" altLang="en-US" sz="1100" dirty="0">
+                <a:solidFill>
+                  <a:srgbClr val="FF0000"/>
+                </a:solidFill>
+              </a:rPr>
+              <a:t>点</a:t>
+            </a:r>
+            <a:endParaRPr kumimoji="1" lang="ja-JP" altLang="en-US" sz="1100" dirty="0">
+              <a:solidFill>
+                <a:srgbClr val="FF0000"/>
+              </a:solidFill>
+            </a:endParaRPr>
+          </a:p>
+        </p:txBody>
+      </p:sp>
+      <p:cxnSp>
+        <p:nvCxnSpPr>
+          <p:cNvPr id="12" name="直線矢印コネクタ 11"/>
+          <p:cNvCxnSpPr/>
+          <p:nvPr/>
+        </p:nvCxnSpPr>
+        <p:spPr>
+          <a:xfrm flipH="1">
+            <a:off x="5456563" y="1252497"/>
+            <a:ext cx="1262292" cy="291994"/>
+          </a:xfrm>
+          <a:prstGeom prst="straightConnector1">
+            <a:avLst/>
+          </a:prstGeom>
+          <a:ln w="19050">
+            <a:solidFill>
+              <a:srgbClr val="FF0000"/>
+            </a:solidFill>
+            <a:tailEnd type="triangle"/>
+          </a:ln>
+        </p:spPr>
+        <p:style>
+          <a:lnRef idx="1">
+            <a:schemeClr val="accent1"/>
+          </a:lnRef>
+          <a:fillRef idx="0">
+            <a:schemeClr val="accent1"/>
+          </a:fillRef>
+          <a:effectRef idx="0">
+            <a:schemeClr val="accent1"/>
+          </a:effectRef>
+          <a:fontRef idx="minor">
+            <a:schemeClr val="tx1"/>
+          </a:fontRef>
+        </p:style>
+      </p:cxnSp>
+      <p:sp>
+        <p:nvSpPr>
+          <p:cNvPr id="13" name="テキスト ボックス 12"/>
+          <p:cNvSpPr txBox="1"/>
+          <p:nvPr/>
+        </p:nvSpPr>
+        <p:spPr>
+          <a:xfrm>
+            <a:off x="5656152" y="1185154"/>
+            <a:ext cx="609241" cy="261610"/>
+          </a:xfrm>
+          <a:prstGeom prst="rect">
+            <a:avLst/>
+          </a:prstGeom>
+          <a:noFill/>
+        </p:spPr>
+        <p:txBody>
+          <a:bodyPr wrap="square" rtlCol="0">
+            <a:spAutoFit/>
+          </a:bodyPr>
+          <a:lstStyle/>
+          <a:p>
+            <a:r>
+              <a:rPr lang="ja-JP" altLang="en-US" sz="1100" dirty="0" smtClean="0"/>
+              <a:t>再投影</a:t>
+            </a:r>
+            <a:endParaRPr kumimoji="1" lang="ja-JP" altLang="en-US" sz="1100" dirty="0"/>
+          </a:p>
+        </p:txBody>
+      </p:sp>
+      <p:sp>
+        <p:nvSpPr>
+          <p:cNvPr id="15" name="楕円 14"/>
+          <p:cNvSpPr/>
+          <p:nvPr/>
+        </p:nvSpPr>
+        <p:spPr>
+          <a:xfrm>
+            <a:off x="5348087" y="1544491"/>
+            <a:ext cx="46105" cy="45719"/>
+          </a:xfrm>
+          <a:prstGeom prst="ellipse">
+            <a:avLst/>
+          </a:prstGeom>
+        </p:spPr>
+        <p:style>
+          <a:lnRef idx="2">
+            <a:schemeClr val="accent1">
+              <a:shade val="50000"/>
+            </a:schemeClr>
+          </a:lnRef>
+          <a:fillRef idx="1">
+            <a:schemeClr val="accent1"/>
+          </a:fillRef>
+          <a:effectRef idx="0">
+            <a:schemeClr val="accent1"/>
+          </a:effectRef>
+          <a:fontRef idx="minor">
+            <a:schemeClr val="lt1"/>
+          </a:fontRef>
+        </p:style>
+        <p:txBody>
+          <a:bodyPr rtlCol="0" anchor="ctr"/>
+          <a:lstStyle/>
+          <a:p>
+            <a:pPr algn="ctr"/>
+            <a:endParaRPr kumimoji="1" lang="ja-JP" altLang="en-US"/>
+          </a:p>
+        </p:txBody>
+      </p:sp>
+      <p:sp>
+        <p:nvSpPr>
+          <p:cNvPr id="16" name="楕円 15"/>
+          <p:cNvSpPr/>
+          <p:nvPr/>
+        </p:nvSpPr>
+        <p:spPr>
+          <a:xfrm>
+            <a:off x="5400595" y="1520159"/>
+            <a:ext cx="46105" cy="45719"/>
+          </a:xfrm>
+          <a:prstGeom prst="ellipse">
+            <a:avLst/>
+          </a:prstGeom>
+        </p:spPr>
+        <p:style>
+          <a:lnRef idx="2">
+            <a:schemeClr val="accent1">
+              <a:shade val="50000"/>
+            </a:schemeClr>
+          </a:lnRef>
+          <a:fillRef idx="1">
+            <a:schemeClr val="accent1"/>
+          </a:fillRef>
+          <a:effectRef idx="0">
+            <a:schemeClr val="accent1"/>
+          </a:effectRef>
+          <a:fontRef idx="minor">
+            <a:schemeClr val="lt1"/>
+          </a:fontRef>
+        </p:style>
+        <p:txBody>
+          <a:bodyPr rtlCol="0" anchor="ctr"/>
+          <a:lstStyle/>
+          <a:p>
+            <a:pPr algn="ctr"/>
+            <a:endParaRPr kumimoji="1" lang="ja-JP" altLang="en-US"/>
+          </a:p>
+        </p:txBody>
+      </p:sp>
+      <p:sp>
+        <p:nvSpPr>
+          <p:cNvPr id="17" name="楕円 16"/>
+          <p:cNvSpPr/>
+          <p:nvPr/>
+        </p:nvSpPr>
+        <p:spPr>
+          <a:xfrm>
+            <a:off x="5414683" y="1611087"/>
+            <a:ext cx="46105" cy="45719"/>
+          </a:xfrm>
+          <a:prstGeom prst="ellipse">
+            <a:avLst/>
+          </a:prstGeom>
+        </p:spPr>
+        <p:style>
+          <a:lnRef idx="2">
+            <a:schemeClr val="accent1">
+              <a:shade val="50000"/>
+            </a:schemeClr>
+          </a:lnRef>
+          <a:fillRef idx="1">
+            <a:schemeClr val="accent1"/>
+          </a:fillRef>
+          <a:effectRef idx="0">
+            <a:schemeClr val="accent1"/>
+          </a:effectRef>
+          <a:fontRef idx="minor">
+            <a:schemeClr val="lt1"/>
+          </a:fontRef>
+        </p:style>
+        <p:txBody>
+          <a:bodyPr rtlCol="0" anchor="ctr"/>
+          <a:lstStyle/>
+          <a:p>
+            <a:pPr algn="ctr"/>
+            <a:endParaRPr kumimoji="1" lang="ja-JP" altLang="en-US"/>
+          </a:p>
+        </p:txBody>
+      </p:sp>
+      <p:sp>
+        <p:nvSpPr>
+          <p:cNvPr id="18" name="楕円 17"/>
+          <p:cNvSpPr/>
+          <p:nvPr/>
+        </p:nvSpPr>
+        <p:spPr>
+          <a:xfrm>
+            <a:off x="5305827" y="1678963"/>
+            <a:ext cx="46105" cy="45719"/>
+          </a:xfrm>
+          <a:prstGeom prst="ellipse">
+            <a:avLst/>
+          </a:prstGeom>
+        </p:spPr>
+        <p:style>
+          <a:lnRef idx="2">
+            <a:schemeClr val="accent1">
+              <a:shade val="50000"/>
+            </a:schemeClr>
+          </a:lnRef>
+          <a:fillRef idx="1">
+            <a:schemeClr val="accent1"/>
+          </a:fillRef>
+          <a:effectRef idx="0">
+            <a:schemeClr val="accent1"/>
+          </a:effectRef>
+          <a:fontRef idx="minor">
+            <a:schemeClr val="lt1"/>
+          </a:fontRef>
+        </p:style>
+        <p:txBody>
+          <a:bodyPr rtlCol="0" anchor="ctr"/>
+          <a:lstStyle/>
+          <a:p>
+            <a:pPr algn="ctr"/>
+            <a:endParaRPr kumimoji="1" lang="ja-JP" altLang="en-US"/>
+          </a:p>
+        </p:txBody>
+      </p:sp>
+      <p:sp>
+        <p:nvSpPr>
+          <p:cNvPr id="19" name="楕円 18"/>
+          <p:cNvSpPr/>
+          <p:nvPr/>
+        </p:nvSpPr>
+        <p:spPr>
+          <a:xfrm>
+            <a:off x="6968131" y="1696891"/>
+            <a:ext cx="46105" cy="45719"/>
+          </a:xfrm>
+          <a:prstGeom prst="ellipse">
+            <a:avLst/>
+          </a:prstGeom>
+        </p:spPr>
+        <p:style>
+          <a:lnRef idx="2">
+            <a:schemeClr val="accent1">
+              <a:shade val="50000"/>
+            </a:schemeClr>
+          </a:lnRef>
+          <a:fillRef idx="1">
+            <a:schemeClr val="accent1"/>
+          </a:fillRef>
+          <a:effectRef idx="0">
+            <a:schemeClr val="accent1"/>
+          </a:effectRef>
+          <a:fontRef idx="minor">
+            <a:schemeClr val="lt1"/>
+          </a:fontRef>
+        </p:style>
+        <p:txBody>
+          <a:bodyPr rtlCol="0" anchor="ctr"/>
+          <a:lstStyle/>
+          <a:p>
+            <a:pPr algn="ctr"/>
+            <a:endParaRPr kumimoji="1" lang="ja-JP" altLang="en-US"/>
+          </a:p>
+        </p:txBody>
+      </p:sp>
+      <p:sp>
+        <p:nvSpPr>
+          <p:cNvPr id="20" name="楕円 19"/>
+          <p:cNvSpPr/>
+          <p:nvPr/>
+        </p:nvSpPr>
+        <p:spPr>
+          <a:xfrm>
+            <a:off x="7020639" y="1672559"/>
+            <a:ext cx="46105" cy="45719"/>
+          </a:xfrm>
+          <a:prstGeom prst="ellipse">
+            <a:avLst/>
+          </a:prstGeom>
+        </p:spPr>
+        <p:style>
+          <a:lnRef idx="2">
+            <a:schemeClr val="accent1">
+              <a:shade val="50000"/>
+            </a:schemeClr>
+          </a:lnRef>
+          <a:fillRef idx="1">
+            <a:schemeClr val="accent1"/>
+          </a:fillRef>
+          <a:effectRef idx="0">
+            <a:schemeClr val="accent1"/>
+          </a:effectRef>
+          <a:fontRef idx="minor">
+            <a:schemeClr val="lt1"/>
+          </a:fontRef>
+        </p:style>
+        <p:txBody>
+          <a:bodyPr rtlCol="0" anchor="ctr"/>
+          <a:lstStyle/>
+          <a:p>
+            <a:pPr algn="ctr"/>
+            <a:endParaRPr kumimoji="1" lang="ja-JP" altLang="en-US"/>
+          </a:p>
+        </p:txBody>
+      </p:sp>
+      <p:sp>
+        <p:nvSpPr>
+          <p:cNvPr id="21" name="楕円 20"/>
+          <p:cNvSpPr/>
+          <p:nvPr/>
+        </p:nvSpPr>
+        <p:spPr>
+          <a:xfrm>
+            <a:off x="7034727" y="1763487"/>
+            <a:ext cx="46105" cy="45719"/>
+          </a:xfrm>
+          <a:prstGeom prst="ellipse">
+            <a:avLst/>
+          </a:prstGeom>
+        </p:spPr>
+        <p:style>
+          <a:lnRef idx="2">
+            <a:schemeClr val="accent1">
+              <a:shade val="50000"/>
+            </a:schemeClr>
+          </a:lnRef>
+          <a:fillRef idx="1">
+            <a:schemeClr val="accent1"/>
+          </a:fillRef>
+          <a:effectRef idx="0">
+            <a:schemeClr val="accent1"/>
+          </a:effectRef>
+          <a:fontRef idx="minor">
+            <a:schemeClr val="lt1"/>
+          </a:fontRef>
+        </p:style>
+        <p:txBody>
+          <a:bodyPr rtlCol="0" anchor="ctr"/>
+          <a:lstStyle/>
+          <a:p>
+            <a:pPr algn="ctr"/>
+            <a:endParaRPr kumimoji="1" lang="ja-JP" altLang="en-US"/>
+          </a:p>
+        </p:txBody>
+      </p:sp>
+      <p:sp>
+        <p:nvSpPr>
+          <p:cNvPr id="22" name="楕円 21"/>
+          <p:cNvSpPr/>
+          <p:nvPr/>
+        </p:nvSpPr>
+        <p:spPr>
+          <a:xfrm>
+            <a:off x="6925871" y="1831363"/>
+            <a:ext cx="46105" cy="45719"/>
+          </a:xfrm>
+          <a:prstGeom prst="ellipse">
+            <a:avLst/>
+          </a:prstGeom>
+        </p:spPr>
+        <p:style>
+          <a:lnRef idx="2">
+            <a:schemeClr val="accent1">
+              <a:shade val="50000"/>
+            </a:schemeClr>
+          </a:lnRef>
+          <a:fillRef idx="1">
+            <a:schemeClr val="accent1"/>
+          </a:fillRef>
+          <a:effectRef idx="0">
+            <a:schemeClr val="accent1"/>
+          </a:effectRef>
+          <a:fontRef idx="minor">
+            <a:schemeClr val="lt1"/>
+          </a:fontRef>
+        </p:style>
+        <p:txBody>
+          <a:bodyPr rtlCol="0" anchor="ctr"/>
+          <a:lstStyle/>
+          <a:p>
+            <a:pPr algn="ctr"/>
+            <a:endParaRPr kumimoji="1" lang="ja-JP" altLang="en-US"/>
+          </a:p>
+        </p:txBody>
+      </p:sp>
+      <p:sp>
+        <p:nvSpPr>
+          <p:cNvPr id="23" name="テキスト ボックス 22"/>
+          <p:cNvSpPr txBox="1"/>
+          <p:nvPr/>
+        </p:nvSpPr>
+        <p:spPr>
+          <a:xfrm>
+            <a:off x="5750235" y="1688878"/>
+            <a:ext cx="704861" cy="261610"/>
+          </a:xfrm>
+          <a:prstGeom prst="rect">
+            <a:avLst/>
+          </a:prstGeom>
+          <a:noFill/>
+        </p:spPr>
+        <p:txBody>
+          <a:bodyPr wrap="square" rtlCol="0">
+            <a:spAutoFit/>
+          </a:bodyPr>
+          <a:lstStyle/>
+          <a:p>
+            <a:r>
+              <a:rPr lang="ja-JP" altLang="en-US" sz="1100" dirty="0">
+                <a:solidFill>
+                  <a:schemeClr val="accent5"/>
+                </a:solidFill>
+              </a:rPr>
+              <a:t>特徴点</a:t>
+            </a:r>
+            <a:endParaRPr kumimoji="1" lang="ja-JP" altLang="en-US" sz="1100" dirty="0">
+              <a:solidFill>
+                <a:schemeClr val="accent5"/>
+              </a:solidFill>
+            </a:endParaRPr>
+          </a:p>
+        </p:txBody>
+      </p:sp>
+      <p:cxnSp>
+        <p:nvCxnSpPr>
+          <p:cNvPr id="25" name="直線コネクタ 24"/>
+          <p:cNvCxnSpPr>
+            <a:stCxn id="17" idx="6"/>
+          </p:cNvCxnSpPr>
+          <p:nvPr/>
+        </p:nvCxnSpPr>
+        <p:spPr>
+          <a:xfrm>
+            <a:off x="5460788" y="1633947"/>
+            <a:ext cx="453462" cy="129540"/>
+          </a:xfrm>
+          <a:prstGeom prst="line">
+            <a:avLst/>
+          </a:prstGeom>
+          <a:ln w="12700"/>
+        </p:spPr>
+        <p:style>
+          <a:lnRef idx="1">
+            <a:schemeClr val="accent1"/>
+          </a:lnRef>
+          <a:fillRef idx="0">
+            <a:schemeClr val="accent1"/>
+          </a:fillRef>
+          <a:effectRef idx="0">
+            <a:schemeClr val="accent1"/>
+          </a:effectRef>
+          <a:fontRef idx="minor">
+            <a:schemeClr val="tx1"/>
+          </a:fontRef>
+        </p:style>
+      </p:cxnSp>
+      <p:cxnSp>
+        <p:nvCxnSpPr>
+          <p:cNvPr id="28" name="直線コネクタ 27"/>
+          <p:cNvCxnSpPr>
+            <a:endCxn id="22" idx="5"/>
+          </p:cNvCxnSpPr>
+          <p:nvPr/>
+        </p:nvCxnSpPr>
+        <p:spPr>
+          <a:xfrm>
+            <a:off x="6193331" y="1793176"/>
+            <a:ext cx="771893" cy="77211"/>
+          </a:xfrm>
+          <a:prstGeom prst="line">
+            <a:avLst/>
+          </a:prstGeom>
+          <a:ln w="12700"/>
+        </p:spPr>
+        <p:style>
+          <a:lnRef idx="1">
+            <a:schemeClr val="accent1"/>
+          </a:lnRef>
+          <a:fillRef idx="0">
+            <a:schemeClr val="accent1"/>
+          </a:fillRef>
+          <a:effectRef idx="0">
+            <a:schemeClr val="accent1"/>
+          </a:effectRef>
+          <a:fontRef idx="minor">
+            <a:schemeClr val="tx1"/>
+          </a:fontRef>
+        </p:style>
+      </p:cxnSp>
     </p:spTree>
     <p:extLst>
       <p:ext uri="{BB962C8B-B14F-4D97-AF65-F5344CB8AC3E}">
